--- a/presentation/SIG - Presentation_Final.pptx
+++ b/presentation/SIG - Presentation_Final.pptx
@@ -207,7 +207,7 @@
             <a:fld id="{17C25E4A-ED9F-491A-8386-EF53F2D8A7AD}" type="datetimeFigureOut">
               <a:rPr lang="de-DE" smtClean="0"/>
               <a:pPr/>
-              <a:t>16/12/14</a:t>
+              <a:t>16.12.2014</a:t>
             </a:fld>
             <a:endParaRPr lang="de-CH"/>
           </a:p>
@@ -369,7 +369,7 @@
             <a:fld id="{DAA7A7EC-94F4-4D67-8844-2E0D318B33AB}" type="slidenum">
               <a:rPr lang="de-CH" smtClean="0"/>
               <a:pPr/>
-              <a:t>‹#›</a:t>
+              <a:t>‹Nr.›</a:t>
             </a:fld>
             <a:endParaRPr lang="de-CH"/>
           </a:p>
@@ -378,7 +378,7 @@
     </p:spTree>
     <p:extLst>
       <p:ext uri="{BB962C8B-B14F-4D97-AF65-F5344CB8AC3E}">
-        <p14:creationId xmlns:p14="http://schemas.microsoft.com/office/powerpoint/2010/main" val="3367211351"/>
+        <p14:creationId xmlns:p14="http://schemas.microsoft.com/office/powerpoint/2010/main" xmlns="" val="3367211351"/>
       </p:ext>
     </p:extLst>
   </p:cSld>
@@ -1936,7 +1936,7 @@
             <a:fld id="{E0D76ACE-F08B-4D73-9579-CF75DC8FD317}" type="slidenum">
               <a:rPr lang="de-CH" smtClean="0"/>
               <a:pPr/>
-              <a:t>‹#›</a:t>
+              <a:t>‹Nr.›</a:t>
             </a:fld>
             <a:endParaRPr lang="de-CH"/>
           </a:p>
@@ -2106,7 +2106,7 @@
             <a:fld id="{E0D76ACE-F08B-4D73-9579-CF75DC8FD317}" type="slidenum">
               <a:rPr lang="de-CH" smtClean="0"/>
               <a:pPr/>
-              <a:t>‹#›</a:t>
+              <a:t>‹Nr.›</a:t>
             </a:fld>
             <a:endParaRPr lang="de-CH"/>
           </a:p>
@@ -2286,7 +2286,7 @@
             <a:fld id="{E0D76ACE-F08B-4D73-9579-CF75DC8FD317}" type="slidenum">
               <a:rPr lang="de-CH" smtClean="0"/>
               <a:pPr/>
-              <a:t>‹#›</a:t>
+              <a:t>‹Nr.›</a:t>
             </a:fld>
             <a:endParaRPr lang="de-CH"/>
           </a:p>
@@ -2456,7 +2456,7 @@
             <a:fld id="{E0D76ACE-F08B-4D73-9579-CF75DC8FD317}" type="slidenum">
               <a:rPr lang="de-CH" smtClean="0"/>
               <a:pPr/>
-              <a:t>‹#›</a:t>
+              <a:t>‹Nr.›</a:t>
             </a:fld>
             <a:endParaRPr lang="de-CH"/>
           </a:p>
@@ -2702,7 +2702,7 @@
             <a:fld id="{E0D76ACE-F08B-4D73-9579-CF75DC8FD317}" type="slidenum">
               <a:rPr lang="de-CH" smtClean="0"/>
               <a:pPr/>
-              <a:t>‹#›</a:t>
+              <a:t>‹Nr.›</a:t>
             </a:fld>
             <a:endParaRPr lang="de-CH"/>
           </a:p>
@@ -2990,7 +2990,7 @@
             <a:fld id="{E0D76ACE-F08B-4D73-9579-CF75DC8FD317}" type="slidenum">
               <a:rPr lang="de-CH" smtClean="0"/>
               <a:pPr/>
-              <a:t>‹#›</a:t>
+              <a:t>‹Nr.›</a:t>
             </a:fld>
             <a:endParaRPr lang="de-CH"/>
           </a:p>
@@ -3412,7 +3412,7 @@
             <a:fld id="{E0D76ACE-F08B-4D73-9579-CF75DC8FD317}" type="slidenum">
               <a:rPr lang="de-CH" smtClean="0"/>
               <a:pPr/>
-              <a:t>‹#›</a:t>
+              <a:t>‹Nr.›</a:t>
             </a:fld>
             <a:endParaRPr lang="de-CH"/>
           </a:p>
@@ -3530,7 +3530,7 @@
             <a:fld id="{E0D76ACE-F08B-4D73-9579-CF75DC8FD317}" type="slidenum">
               <a:rPr lang="de-CH" smtClean="0"/>
               <a:pPr/>
-              <a:t>‹#›</a:t>
+              <a:t>‹Nr.›</a:t>
             </a:fld>
             <a:endParaRPr lang="de-CH"/>
           </a:p>
@@ -3625,7 +3625,7 @@
             <a:fld id="{E0D76ACE-F08B-4D73-9579-CF75DC8FD317}" type="slidenum">
               <a:rPr lang="de-CH" smtClean="0"/>
               <a:pPr/>
-              <a:t>‹#›</a:t>
+              <a:t>‹Nr.›</a:t>
             </a:fld>
             <a:endParaRPr lang="de-CH"/>
           </a:p>
@@ -3902,7 +3902,7 @@
             <a:fld id="{E0D76ACE-F08B-4D73-9579-CF75DC8FD317}" type="slidenum">
               <a:rPr lang="de-CH" smtClean="0"/>
               <a:pPr/>
-              <a:t>‹#›</a:t>
+              <a:t>‹Nr.›</a:t>
             </a:fld>
             <a:endParaRPr lang="de-CH"/>
           </a:p>
@@ -4155,7 +4155,7 @@
             <a:fld id="{E0D76ACE-F08B-4D73-9579-CF75DC8FD317}" type="slidenum">
               <a:rPr lang="de-CH" smtClean="0"/>
               <a:pPr/>
-              <a:t>‹#›</a:t>
+              <a:t>‹Nr.›</a:t>
             </a:fld>
             <a:endParaRPr lang="de-CH"/>
           </a:p>
@@ -4404,7 +4404,7 @@
             <a:fld id="{E0D76ACE-F08B-4D73-9579-CF75DC8FD317}" type="slidenum">
               <a:rPr lang="de-CH" smtClean="0"/>
               <a:pPr/>
-              <a:t>‹#›</a:t>
+              <a:t>‹Nr.›</a:t>
             </a:fld>
             <a:endParaRPr lang="de-CH"/>
           </a:p>
@@ -5201,7 +5201,7 @@
   <p:timing>
     <p:tnLst>
       <p:par>
-        <p:cTn xmlns:p14="http://schemas.microsoft.com/office/powerpoint/2010/main" id="1" dur="indefinite" restart="never" nodeType="tmRoot"/>
+        <p:cTn id="1" dur="indefinite" restart="never" nodeType="tmRoot"/>
       </p:par>
     </p:tnLst>
   </p:timing>
@@ -5915,7 +5915,7 @@
   <p:timing>
     <p:tnLst>
       <p:par>
-        <p:cTn xmlns:p14="http://schemas.microsoft.com/office/powerpoint/2010/main" id="1" dur="indefinite" restart="never" nodeType="tmRoot"/>
+        <p:cTn id="1" dur="indefinite" restart="never" nodeType="tmRoot"/>
       </p:par>
     </p:tnLst>
   </p:timing>
@@ -6563,7 +6563,7 @@
   <p:timing>
     <p:tnLst>
       <p:par>
-        <p:cTn xmlns:p14="http://schemas.microsoft.com/office/powerpoint/2010/main" id="1" dur="indefinite" restart="never" nodeType="tmRoot"/>
+        <p:cTn id="1" dur="indefinite" restart="never" nodeType="tmRoot"/>
       </p:par>
     </p:tnLst>
   </p:timing>
@@ -7103,7 +7103,7 @@
           <p:nvPr>
             <p:extLst>
               <p:ext uri="{D42A27DB-BD31-4B8C-83A1-F6EECF244321}">
-                <p14:modId xmlns:p14="http://schemas.microsoft.com/office/powerpoint/2010/main" val="4256088273"/>
+                <p14:modId xmlns:p14="http://schemas.microsoft.com/office/powerpoint/2010/main" xmlns="" val="4256088273"/>
               </p:ext>
             </p:extLst>
           </p:nvPr>
@@ -7748,7 +7748,7 @@
   <p:timing>
     <p:tnLst>
       <p:par>
-        <p:cTn xmlns:p14="http://schemas.microsoft.com/office/powerpoint/2010/main" id="1" dur="indefinite" restart="never" nodeType="tmRoot"/>
+        <p:cTn id="1" dur="indefinite" restart="never" nodeType="tmRoot"/>
       </p:par>
     </p:tnLst>
   </p:timing>
@@ -8319,8 +8319,68 @@
                 <a:latin typeface="Arial" pitchFamily="34" charset="0"/>
                 <a:cs typeface="Arial" pitchFamily="34" charset="0"/>
               </a:rPr>
-              <a:t>Trend</a:t>
-            </a:r>
+              <a:t>Trend: </a:t>
+            </a:r>
+            <a:r>
+              <a:rPr lang="de-CH" sz="2400" dirty="0" err="1" smtClean="0">
+                <a:latin typeface="Arial" pitchFamily="34" charset="0"/>
+                <a:cs typeface="Arial" pitchFamily="34" charset="0"/>
+              </a:rPr>
+              <a:t>more</a:t>
+            </a:r>
+            <a:r>
+              <a:rPr lang="de-CH" sz="2400" dirty="0" smtClean="0">
+                <a:latin typeface="Arial" pitchFamily="34" charset="0"/>
+                <a:cs typeface="Arial" pitchFamily="34" charset="0"/>
+              </a:rPr>
+              <a:t> </a:t>
+            </a:r>
+            <a:r>
+              <a:rPr lang="de-CH" sz="2400" dirty="0" err="1" smtClean="0">
+                <a:latin typeface="Arial" pitchFamily="34" charset="0"/>
+                <a:cs typeface="Arial" pitchFamily="34" charset="0"/>
+              </a:rPr>
+              <a:t>risky</a:t>
+            </a:r>
+            <a:r>
+              <a:rPr lang="de-CH" sz="2400" dirty="0" smtClean="0">
+                <a:latin typeface="Arial" pitchFamily="34" charset="0"/>
+                <a:cs typeface="Arial" pitchFamily="34" charset="0"/>
+              </a:rPr>
+              <a:t> </a:t>
+            </a:r>
+            <a:r>
+              <a:rPr lang="de-CH" sz="2400" dirty="0" err="1" smtClean="0">
+                <a:latin typeface="Arial" pitchFamily="34" charset="0"/>
+                <a:cs typeface="Arial" pitchFamily="34" charset="0"/>
+              </a:rPr>
+              <a:t>at</a:t>
+            </a:r>
+            <a:r>
+              <a:rPr lang="de-CH" sz="2400" dirty="0" smtClean="0">
+                <a:latin typeface="Arial" pitchFamily="34" charset="0"/>
+                <a:cs typeface="Arial" pitchFamily="34" charset="0"/>
+              </a:rPr>
+              <a:t> </a:t>
+            </a:r>
+            <a:r>
+              <a:rPr lang="de-CH" sz="2400" dirty="0" err="1" smtClean="0">
+                <a:latin typeface="Arial" pitchFamily="34" charset="0"/>
+                <a:cs typeface="Arial" pitchFamily="34" charset="0"/>
+              </a:rPr>
+              <a:t>the</a:t>
+            </a:r>
+            <a:r>
+              <a:rPr lang="de-CH" sz="2400" dirty="0" smtClean="0">
+                <a:latin typeface="Arial" pitchFamily="34" charset="0"/>
+                <a:cs typeface="Arial" pitchFamily="34" charset="0"/>
+              </a:rPr>
+              <a:t> end</a:t>
+            </a:r>
+            <a:endParaRPr lang="de-CH" sz="2400" dirty="0" smtClean="0">
+              <a:latin typeface="Arial" pitchFamily="34" charset="0"/>
+              <a:cs typeface="Arial" pitchFamily="34" charset="0"/>
+            </a:endParaRPr>
           </a:p>
         </p:txBody>
       </p:sp>
@@ -8376,7 +8436,7 @@
   <p:timing>
     <p:tnLst>
       <p:par>
-        <p:cTn xmlns:p14="http://schemas.microsoft.com/office/powerpoint/2010/main" id="1" dur="indefinite" restart="never" nodeType="tmRoot"/>
+        <p:cTn id="1" dur="indefinite" restart="never" nodeType="tmRoot"/>
       </p:par>
     </p:tnLst>
   </p:timing>
@@ -9100,7 +9160,7 @@
   <p:timing>
     <p:tnLst>
       <p:par>
-        <p:cTn xmlns:p14="http://schemas.microsoft.com/office/powerpoint/2010/main" id="1" dur="indefinite" restart="never" nodeType="tmRoot"/>
+        <p:cTn id="1" dur="indefinite" restart="never" nodeType="tmRoot"/>
       </p:par>
     </p:tnLst>
   </p:timing>
@@ -9495,7 +9555,7 @@
         </p:nvSpPr>
         <p:spPr>
           <a:xfrm>
-            <a:off x="2786050" y="2428868"/>
+            <a:off x="2643174" y="2428868"/>
             <a:ext cx="3783408" cy="1569660"/>
           </a:xfrm>
           <a:prstGeom prst="rect">
@@ -9627,7 +9687,7 @@
         </p:blipFill>
         <p:spPr>
           <a:xfrm>
-            <a:off x="6786578" y="2428868"/>
+            <a:off x="6715140" y="2357430"/>
             <a:ext cx="1784163" cy="1714512"/>
           </a:xfrm>
           <a:prstGeom prst="rect">
@@ -9643,7 +9703,7 @@
   <p:timing>
     <p:tnLst>
       <p:par>
-        <p:cTn xmlns:p14="http://schemas.microsoft.com/office/powerpoint/2010/main" id="1" dur="indefinite" restart="never" nodeType="tmRoot"/>
+        <p:cTn id="1" dur="indefinite" restart="never" nodeType="tmRoot"/>
       </p:par>
     </p:tnLst>
   </p:timing>
@@ -10458,7 +10518,7 @@
   <p:timing>
     <p:tnLst>
       <p:par>
-        <p:cTn xmlns:p14="http://schemas.microsoft.com/office/powerpoint/2010/main" id="1" dur="indefinite" restart="never" nodeType="tmRoot"/>
+        <p:cTn id="1" dur="indefinite" restart="never" nodeType="tmRoot"/>
       </p:par>
     </p:tnLst>
   </p:timing>
@@ -10921,7 +10981,7 @@
   <p:timing>
     <p:tnLst>
       <p:par>
-        <p:cTn xmlns:p14="http://schemas.microsoft.com/office/powerpoint/2010/main" id="1" dur="indefinite" restart="never" nodeType="tmRoot"/>
+        <p:cTn id="1" dur="indefinite" restart="never" nodeType="tmRoot"/>
       </p:par>
     </p:tnLst>
   </p:timing>
@@ -11597,7 +11657,7 @@
   <p:timing>
     <p:tnLst>
       <p:par>
-        <p:cTn xmlns:p14="http://schemas.microsoft.com/office/powerpoint/2010/main" id="1" dur="indefinite" restart="never" nodeType="tmRoot"/>
+        <p:cTn id="1" dur="indefinite" restart="never" nodeType="tmRoot"/>
       </p:par>
     </p:tnLst>
   </p:timing>
@@ -11868,7 +11928,7 @@
         <p:spPr>
           <a:xfrm>
             <a:off x="500034" y="1142984"/>
-            <a:ext cx="8248430" cy="1938992"/>
+            <a:ext cx="8248430" cy="5632311"/>
           </a:xfrm>
           <a:prstGeom prst="rect">
             <a:avLst/>
@@ -11895,6 +11955,13 @@
               </a:rPr>
               <a:t>criterion</a:t>
             </a:r>
+            <a:r>
+              <a:rPr lang="de-CH" sz="2400" dirty="0" smtClean="0">
+                <a:latin typeface="Arial" pitchFamily="34" charset="0"/>
+                <a:cs typeface="Arial" pitchFamily="34" charset="0"/>
+              </a:rPr>
+              <a:t>  </a:t>
+            </a:r>
             <a:endParaRPr lang="de-CH" sz="2400" dirty="0" smtClean="0">
               <a:latin typeface="Arial" pitchFamily="34" charset="0"/>
               <a:cs typeface="Arial" pitchFamily="34" charset="0"/>
@@ -11912,60 +11979,59 @@
               <a:buChar char="•"/>
             </a:pPr>
             <a:r>
-              <a:rPr lang="de-CH" sz="2400" dirty="0" smtClean="0">
-                <a:latin typeface="Arial" pitchFamily="34" charset="0"/>
-                <a:cs typeface="Arial" pitchFamily="34" charset="0"/>
-              </a:rPr>
-              <a:t>Optimal </a:t>
-            </a:r>
-            <a:r>
-              <a:rPr lang="de-CH" sz="2400" dirty="0" err="1" smtClean="0">
-                <a:latin typeface="Arial" pitchFamily="34" charset="0"/>
-                <a:cs typeface="Arial" pitchFamily="34" charset="0"/>
-              </a:rPr>
-              <a:t>fraction</a:t>
-            </a:r>
-            <a:r>
-              <a:rPr lang="de-CH" sz="2400" dirty="0" smtClean="0">
+              <a:rPr lang="fr-CH" sz="2400" dirty="0" smtClean="0">
+                <a:latin typeface="Arial" pitchFamily="34" charset="0"/>
+                <a:cs typeface="Arial" pitchFamily="34" charset="0"/>
+              </a:rPr>
+              <a:t>1 </a:t>
+            </a:r>
+            <a:r>
+              <a:rPr lang="fr-CH" sz="2400" dirty="0" err="1" smtClean="0">
+                <a:latin typeface="Arial" pitchFamily="34" charset="0"/>
+                <a:cs typeface="Arial" pitchFamily="34" charset="0"/>
+              </a:rPr>
+              <a:t>player</a:t>
+            </a:r>
+            <a:r>
+              <a:rPr lang="fr-CH" sz="2400" dirty="0" smtClean="0">
                 <a:latin typeface="Arial" pitchFamily="34" charset="0"/>
                 <a:cs typeface="Arial" pitchFamily="34" charset="0"/>
               </a:rPr>
               <a:t> </a:t>
             </a:r>
             <a:r>
-              <a:rPr lang="de-CH" sz="2400" dirty="0" err="1" smtClean="0">
-                <a:latin typeface="Arial" pitchFamily="34" charset="0"/>
-                <a:cs typeface="Arial" pitchFamily="34" charset="0"/>
-              </a:rPr>
-              <a:t>for</a:t>
-            </a:r>
-            <a:r>
-              <a:rPr lang="de-CH" sz="2400" dirty="0" smtClean="0">
-                <a:latin typeface="Arial" pitchFamily="34" charset="0"/>
-                <a:cs typeface="Arial" pitchFamily="34" charset="0"/>
-              </a:rPr>
-              <a:t> </a:t>
-            </a:r>
-            <a:r>
-              <a:rPr lang="de-CH" sz="2400" dirty="0" err="1" smtClean="0">
-                <a:latin typeface="Arial" pitchFamily="34" charset="0"/>
-                <a:cs typeface="Arial" pitchFamily="34" charset="0"/>
-              </a:rPr>
-              <a:t>maximum</a:t>
-            </a:r>
-            <a:r>
-              <a:rPr lang="de-CH" sz="2400" dirty="0" smtClean="0">
-                <a:latin typeface="Arial" pitchFamily="34" charset="0"/>
-                <a:cs typeface="Arial" pitchFamily="34" charset="0"/>
-              </a:rPr>
-              <a:t> </a:t>
-            </a:r>
-            <a:r>
-              <a:rPr lang="de-CH" sz="2400" dirty="0" err="1" smtClean="0">
-                <a:latin typeface="Arial" pitchFamily="34" charset="0"/>
-                <a:cs typeface="Arial" pitchFamily="34" charset="0"/>
-              </a:rPr>
-              <a:t>output</a:t>
+              <a:rPr lang="fr-CH" sz="2400" dirty="0" err="1" smtClean="0">
+                <a:latin typeface="Arial" pitchFamily="34" charset="0"/>
+                <a:cs typeface="Arial" pitchFamily="34" charset="0"/>
+              </a:rPr>
+              <a:t>against</a:t>
+            </a:r>
+            <a:r>
+              <a:rPr lang="fr-CH" sz="2400" dirty="0" smtClean="0">
+                <a:latin typeface="Arial" pitchFamily="34" charset="0"/>
+                <a:cs typeface="Arial" pitchFamily="34" charset="0"/>
+              </a:rPr>
+              <a:t> the house</a:t>
+            </a:r>
+          </a:p>
+          <a:p>
+            <a:pPr marL="342900" indent="-342900">
+              <a:buFont typeface="Arial"/>
+              <a:buChar char="•"/>
+            </a:pPr>
+            <a:r>
+              <a:rPr lang="fr-CH" sz="2400" dirty="0" smtClean="0">
+                <a:latin typeface="Arial" pitchFamily="34" charset="0"/>
+                <a:cs typeface="Arial" pitchFamily="34" charset="0"/>
+              </a:rPr>
+              <a:t>Constant </a:t>
+            </a:r>
+            <a:r>
+              <a:rPr lang="fr-CH" sz="2400" dirty="0" err="1" smtClean="0">
+                <a:latin typeface="Arial" pitchFamily="34" charset="0"/>
+                <a:cs typeface="Arial" pitchFamily="34" charset="0"/>
+              </a:rPr>
+              <a:t>bet</a:t>
             </a:r>
             <a:endParaRPr lang="de-CH" sz="2400" dirty="0" smtClean="0">
               <a:latin typeface="Arial" pitchFamily="34" charset="0"/>
@@ -11978,10 +12044,170 @@
               <a:buChar char="•"/>
             </a:pPr>
             <a:r>
+              <a:rPr lang="de-CH" sz="2400" dirty="0" smtClean="0">
+                <a:latin typeface="Arial" pitchFamily="34" charset="0"/>
+                <a:cs typeface="Arial" pitchFamily="34" charset="0"/>
+              </a:rPr>
+              <a:t>Optimal </a:t>
+            </a:r>
+            <a:r>
               <a:rPr lang="de-CH" sz="2400" dirty="0" err="1" smtClean="0">
                 <a:latin typeface="Arial" pitchFamily="34" charset="0"/>
                 <a:cs typeface="Arial" pitchFamily="34" charset="0"/>
               </a:rPr>
+              <a:t>fraction</a:t>
+            </a:r>
+            <a:r>
+              <a:rPr lang="de-CH" sz="2400" dirty="0" smtClean="0">
+                <a:latin typeface="Arial" pitchFamily="34" charset="0"/>
+                <a:cs typeface="Arial" pitchFamily="34" charset="0"/>
+              </a:rPr>
+              <a:t> </a:t>
+            </a:r>
+            <a:r>
+              <a:rPr lang="de-CH" sz="2400" dirty="0" err="1" smtClean="0">
+                <a:latin typeface="Arial" pitchFamily="34" charset="0"/>
+                <a:cs typeface="Arial" pitchFamily="34" charset="0"/>
+              </a:rPr>
+              <a:t>for</a:t>
+            </a:r>
+            <a:r>
+              <a:rPr lang="de-CH" sz="2400" dirty="0" smtClean="0">
+                <a:latin typeface="Arial" pitchFamily="34" charset="0"/>
+                <a:cs typeface="Arial" pitchFamily="34" charset="0"/>
+              </a:rPr>
+              <a:t> </a:t>
+            </a:r>
+            <a:r>
+              <a:rPr lang="de-CH" sz="2400" dirty="0" err="1" smtClean="0">
+                <a:latin typeface="Arial" pitchFamily="34" charset="0"/>
+                <a:cs typeface="Arial" pitchFamily="34" charset="0"/>
+              </a:rPr>
+              <a:t>maximum</a:t>
+            </a:r>
+            <a:r>
+              <a:rPr lang="de-CH" sz="2400" dirty="0" smtClean="0">
+                <a:latin typeface="Arial" pitchFamily="34" charset="0"/>
+                <a:cs typeface="Arial" pitchFamily="34" charset="0"/>
+              </a:rPr>
+              <a:t> </a:t>
+            </a:r>
+            <a:r>
+              <a:rPr lang="de-CH" sz="2400" dirty="0" err="1" smtClean="0">
+                <a:latin typeface="Arial" pitchFamily="34" charset="0"/>
+                <a:cs typeface="Arial" pitchFamily="34" charset="0"/>
+              </a:rPr>
+              <a:t>output</a:t>
+            </a:r>
+            <a:endParaRPr lang="de-CH" sz="2400" dirty="0" smtClean="0">
+              <a:latin typeface="Arial" pitchFamily="34" charset="0"/>
+              <a:cs typeface="Arial" pitchFamily="34" charset="0"/>
+            </a:endParaRPr>
+          </a:p>
+          <a:p>
+            <a:pPr marL="342900" indent="-342900">
+              <a:buFont typeface="Arial"/>
+              <a:buChar char="•"/>
+            </a:pPr>
+            <a:r>
+              <a:rPr lang="fr-CH" sz="2400" dirty="0" err="1" smtClean="0">
+                <a:latin typeface="Arial" pitchFamily="34" charset="0"/>
+                <a:cs typeface="Arial" pitchFamily="34" charset="0"/>
+              </a:rPr>
+              <a:t>Closed</a:t>
+            </a:r>
+            <a:r>
+              <a:rPr lang="fr-CH" sz="2400" dirty="0" smtClean="0">
+                <a:latin typeface="Arial" pitchFamily="34" charset="0"/>
+                <a:cs typeface="Arial" pitchFamily="34" charset="0"/>
+              </a:rPr>
+              <a:t> </a:t>
+            </a:r>
+            <a:r>
+              <a:rPr lang="fr-CH" sz="2400" dirty="0" err="1" smtClean="0">
+                <a:latin typeface="Arial" pitchFamily="34" charset="0"/>
+                <a:cs typeface="Arial" pitchFamily="34" charset="0"/>
+              </a:rPr>
+              <a:t>form</a:t>
+            </a:r>
+            <a:r>
+              <a:rPr lang="fr-CH" sz="2400" dirty="0" smtClean="0">
+                <a:latin typeface="Arial" pitchFamily="34" charset="0"/>
+                <a:cs typeface="Arial" pitchFamily="34" charset="0"/>
+              </a:rPr>
+              <a:t> solution:</a:t>
+            </a:r>
+          </a:p>
+          <a:p>
+            <a:pPr marL="342900" indent="-342900">
+              <a:buFont typeface="Arial"/>
+              <a:buChar char="•"/>
+            </a:pPr>
+            <a:endParaRPr lang="fr-CH" sz="2400" dirty="0" smtClean="0">
+              <a:latin typeface="Arial" pitchFamily="34" charset="0"/>
+              <a:cs typeface="Arial" pitchFamily="34" charset="0"/>
+            </a:endParaRPr>
+          </a:p>
+          <a:p>
+            <a:pPr marL="342900" indent="-342900">
+              <a:buFont typeface="Arial"/>
+              <a:buChar char="•"/>
+            </a:pPr>
+            <a:endParaRPr lang="fr-CH" sz="2400" dirty="0" smtClean="0">
+              <a:latin typeface="Arial" pitchFamily="34" charset="0"/>
+              <a:cs typeface="Arial" pitchFamily="34" charset="0"/>
+            </a:endParaRPr>
+          </a:p>
+          <a:p>
+            <a:pPr marL="342900" indent="-342900">
+              <a:buFont typeface="Arial"/>
+              <a:buChar char="•"/>
+            </a:pPr>
+            <a:endParaRPr lang="fr-CH" sz="2400" dirty="0" smtClean="0">
+              <a:latin typeface="Arial" pitchFamily="34" charset="0"/>
+              <a:cs typeface="Arial" pitchFamily="34" charset="0"/>
+            </a:endParaRPr>
+          </a:p>
+          <a:p>
+            <a:pPr marL="342900" indent="-342900">
+              <a:buFont typeface="Arial"/>
+              <a:buChar char="•"/>
+            </a:pPr>
+            <a:endParaRPr lang="fr-CH" sz="2400" dirty="0" smtClean="0">
+              <a:latin typeface="Arial" pitchFamily="34" charset="0"/>
+              <a:cs typeface="Arial" pitchFamily="34" charset="0"/>
+            </a:endParaRPr>
+          </a:p>
+          <a:p>
+            <a:pPr marL="342900" indent="-342900">
+              <a:buFont typeface="Arial"/>
+              <a:buChar char="•"/>
+            </a:pPr>
+            <a:endParaRPr lang="fr-CH" sz="2400" dirty="0" smtClean="0">
+              <a:latin typeface="Arial" pitchFamily="34" charset="0"/>
+              <a:cs typeface="Arial" pitchFamily="34" charset="0"/>
+            </a:endParaRPr>
+          </a:p>
+          <a:p>
+            <a:pPr marL="342900" indent="-342900">
+              <a:buFont typeface="Arial"/>
+              <a:buChar char="•"/>
+            </a:pPr>
+            <a:endParaRPr lang="fr-CH" sz="2400" dirty="0" smtClean="0">
+              <a:latin typeface="Arial" pitchFamily="34" charset="0"/>
+              <a:cs typeface="Arial" pitchFamily="34" charset="0"/>
+            </a:endParaRPr>
+          </a:p>
+          <a:p>
+            <a:pPr marL="342900" indent="-342900">
+              <a:buFont typeface="Arial"/>
+              <a:buChar char="•"/>
+            </a:pPr>
+            <a:r>
+              <a:rPr lang="de-CH" sz="2400" dirty="0" err="1" smtClean="0">
+                <a:latin typeface="Arial" pitchFamily="34" charset="0"/>
+                <a:cs typeface="Arial" pitchFamily="34" charset="0"/>
+              </a:rPr>
               <a:t>For</a:t>
             </a:r>
             <a:r>
@@ -11991,6 +12217,16 @@
               </a:rPr>
               <a:t> p = 60% :  f = 20%</a:t>
             </a:r>
+          </a:p>
+          <a:p>
+            <a:pPr marL="342900" indent="-342900">
+              <a:buFont typeface="Arial"/>
+              <a:buChar char="•"/>
+            </a:pPr>
+            <a:endParaRPr lang="de-CH" sz="2400" dirty="0" smtClean="0">
+              <a:latin typeface="Arial" pitchFamily="34" charset="0"/>
+              <a:cs typeface="Arial" pitchFamily="34" charset="0"/>
+            </a:endParaRPr>
           </a:p>
           <a:p>
             <a:pPr marL="342900" indent="-342900">
@@ -12064,7 +12300,7 @@
         </p:blipFill>
         <p:spPr>
           <a:xfrm>
-            <a:off x="1571604" y="3622688"/>
+            <a:off x="1746272" y="3622688"/>
             <a:ext cx="5969000" cy="1663700"/>
           </a:xfrm>
           <a:prstGeom prst="rect">
@@ -12080,7 +12316,7 @@
   <p:timing>
     <p:tnLst>
       <p:par>
-        <p:cTn xmlns:p14="http://schemas.microsoft.com/office/powerpoint/2010/main" id="1" dur="indefinite" restart="never" nodeType="tmRoot"/>
+        <p:cTn id="1" dur="indefinite" restart="never" nodeType="tmRoot"/>
       </p:par>
     </p:tnLst>
   </p:timing>
@@ -12351,7 +12587,7 @@
         <p:spPr>
           <a:xfrm>
             <a:off x="500034" y="1142984"/>
-            <a:ext cx="8104414" cy="2677656"/>
+            <a:ext cx="8104414" cy="3416320"/>
           </a:xfrm>
           <a:prstGeom prst="rect">
             <a:avLst/>
@@ -12391,6 +12627,19 @@
               <a:buChar char="•"/>
             </a:pPr>
             <a:r>
+              <a:rPr lang="de-CH" sz="2400" dirty="0" smtClean="0">
+                <a:latin typeface="Arial"/>
+                <a:cs typeface="Arial"/>
+              </a:rPr>
+              <a:t>2 Players</a:t>
+            </a:r>
+          </a:p>
+          <a:p>
+            <a:pPr marL="342900" indent="-342900">
+              <a:buFont typeface="Arial"/>
+              <a:buChar char="•"/>
+            </a:pPr>
+            <a:r>
               <a:rPr lang="de-CH" sz="2400" dirty="0" err="1" smtClean="0">
                 <a:latin typeface="Arial"/>
                 <a:cs typeface="Arial"/>
@@ -12436,46 +12685,101 @@
               <a:buChar char="•"/>
             </a:pPr>
             <a:r>
+              <a:rPr lang="de-CH" sz="2400" dirty="0" smtClean="0">
+                <a:latin typeface="Arial"/>
+                <a:cs typeface="Arial"/>
+              </a:rPr>
+              <a:t>Game &gt; </a:t>
+            </a:r>
+            <a:r>
               <a:rPr lang="de-CH" sz="2400" dirty="0" err="1" smtClean="0">
                 <a:latin typeface="Arial"/>
                 <a:cs typeface="Arial"/>
               </a:rPr>
-              <a:t>Maximize</a:t>
+              <a:t>Round</a:t>
             </a:r>
             <a:r>
               <a:rPr lang="de-CH" sz="2400" dirty="0" smtClean="0">
                 <a:latin typeface="Arial"/>
                 <a:cs typeface="Arial"/>
               </a:rPr>
-              <a:t> </a:t>
-            </a:r>
-            <a:r>
-              <a:rPr lang="de-CH" sz="2400" dirty="0" err="1" smtClean="0">
+              <a:t> &gt; </a:t>
+            </a:r>
+            <a:r>
+              <a:rPr lang="de-CH" sz="2400" dirty="0" smtClean="0">
                 <a:latin typeface="Arial"/>
                 <a:cs typeface="Arial"/>
               </a:rPr>
-              <a:t>money</a:t>
-            </a:r>
-            <a:endParaRPr lang="de-CH" sz="2400" dirty="0" smtClean="0">
-              <a:latin typeface="Arial"/>
-              <a:cs typeface="Arial"/>
-            </a:endParaRPr>
+              <a:t>Turn</a:t>
+            </a:r>
           </a:p>
           <a:p>
             <a:pPr marL="342900" indent="-342900">
               <a:buFont typeface="Arial"/>
               <a:buChar char="•"/>
             </a:pPr>
-            <a:r>
-              <a:rPr lang="de-CH" sz="2400" dirty="0" smtClean="0">
+            <a:endParaRPr lang="fr-CH" sz="2400" dirty="0" smtClean="0">
+              <a:latin typeface="Arial"/>
+              <a:cs typeface="Arial"/>
+            </a:endParaRPr>
+          </a:p>
+          <a:p>
+            <a:pPr marL="342900" indent="-342900"/>
+            <a:r>
+              <a:rPr lang="fr-CH" sz="2400" dirty="0" err="1" smtClean="0">
                 <a:latin typeface="Arial"/>
                 <a:cs typeface="Arial"/>
               </a:rPr>
-              <a:t>Game &gt; Round &gt; Turn</a:t>
-            </a:r>
-          </a:p>
-          <a:p>
-            <a:endParaRPr lang="de-CH" sz="2400" dirty="0">
+              <a:t>Example</a:t>
+            </a:r>
+            <a:r>
+              <a:rPr lang="fr-CH" sz="2400" dirty="0" smtClean="0">
+                <a:latin typeface="Arial"/>
+                <a:cs typeface="Arial"/>
+              </a:rPr>
+              <a:t>:</a:t>
+            </a:r>
+          </a:p>
+          <a:p>
+            <a:pPr marL="342900" indent="-342900"/>
+            <a:r>
+              <a:rPr lang="fr-CH" sz="2400" dirty="0" smtClean="0">
+                <a:latin typeface="Arial"/>
+                <a:cs typeface="Arial"/>
+              </a:rPr>
+              <a:t>	</a:t>
+            </a:r>
+            <a:r>
+              <a:rPr lang="fr-CH" sz="2400" dirty="0" smtClean="0">
+                <a:solidFill>
+                  <a:srgbClr val="00B050"/>
+                </a:solidFill>
+                <a:latin typeface="Arial"/>
+                <a:cs typeface="Arial"/>
+              </a:rPr>
+              <a:t>Win </a:t>
+            </a:r>
+            <a:r>
+              <a:rPr lang="fr-CH" sz="2400" dirty="0" smtClean="0">
+                <a:latin typeface="Arial"/>
+                <a:cs typeface="Arial"/>
+              </a:rPr>
+              <a:t>     </a:t>
+            </a:r>
+            <a:r>
+              <a:rPr lang="fr-CH" sz="2400" dirty="0" err="1" smtClean="0">
+                <a:solidFill>
+                  <a:srgbClr val="FF0000"/>
+                </a:solidFill>
+                <a:latin typeface="Arial"/>
+                <a:cs typeface="Arial"/>
+              </a:rPr>
+              <a:t>Loss</a:t>
+            </a:r>
+            <a:endParaRPr lang="de-CH" sz="2400" dirty="0" smtClean="0">
+              <a:solidFill>
+                <a:srgbClr val="FF0000"/>
+              </a:solidFill>
               <a:latin typeface="Arial"/>
               <a:cs typeface="Arial"/>
             </a:endParaRPr>
@@ -12485,27 +12789,6 @@
               <a:buFont typeface="Arial"/>
               <a:buChar char="•"/>
             </a:pPr>
-            <a:r>
-              <a:rPr lang="de-CH" sz="2400" dirty="0" smtClean="0">
-                <a:latin typeface="Arial"/>
-                <a:cs typeface="Arial"/>
-              </a:rPr>
-              <a:t>2 Players </a:t>
-            </a:r>
-            <a:r>
-              <a:rPr lang="de-CH" sz="2400" dirty="0" err="1" smtClean="0">
-                <a:latin typeface="Arial"/>
-                <a:cs typeface="Arial"/>
-              </a:rPr>
-              <a:t>against</a:t>
-            </a:r>
-            <a:r>
-              <a:rPr lang="de-CH" sz="2400" dirty="0" smtClean="0">
-                <a:latin typeface="Arial"/>
-                <a:cs typeface="Arial"/>
-              </a:rPr>
-              <a:t> House</a:t>
-            </a:r>
             <a:endParaRPr lang="de-CH" sz="2400" dirty="0" smtClean="0">
               <a:latin typeface="Arial"/>
               <a:cs typeface="Arial"/>
@@ -12566,7 +12849,7 @@
           <p:nvPr>
             <p:extLst>
               <p:ext uri="{D42A27DB-BD31-4B8C-83A1-F6EECF244321}">
-                <p14:modId xmlns:p14="http://schemas.microsoft.com/office/powerpoint/2010/main" val="354842011"/>
+                <p14:modId xmlns:p14="http://schemas.microsoft.com/office/powerpoint/2010/main" xmlns="" val="354842011"/>
               </p:ext>
             </p:extLst>
           </p:nvPr>
@@ -13238,7 +13521,7 @@
   <p:timing>
     <p:tnLst>
       <p:par>
-        <p:cTn xmlns:p14="http://schemas.microsoft.com/office/powerpoint/2010/main" id="1" dur="indefinite" restart="never" nodeType="tmRoot"/>
+        <p:cTn id="1" dur="indefinite" restart="never" nodeType="tmRoot"/>
       </p:par>
     </p:tnLst>
   </p:timing>
@@ -13509,7 +13792,7 @@
         <p:spPr>
           <a:xfrm>
             <a:off x="500034" y="1500174"/>
-            <a:ext cx="7839005" cy="2677656"/>
+            <a:ext cx="7839005" cy="3416320"/>
           </a:xfrm>
           <a:prstGeom prst="rect">
             <a:avLst/>
@@ -13761,6 +14044,75 @@
                 <a:sym typeface="Wingdings" pitchFamily="2" charset="2"/>
               </a:rPr>
               <a:t>?</a:t>
+            </a:r>
+          </a:p>
+          <a:p>
+            <a:pPr>
+              <a:buFont typeface="Wingdings"/>
+              <a:buChar char="à"/>
+            </a:pPr>
+            <a:endParaRPr lang="fr-CH" sz="2400" dirty="0" smtClean="0">
+              <a:latin typeface="Arial" pitchFamily="34" charset="0"/>
+              <a:cs typeface="Arial" pitchFamily="34" charset="0"/>
+              <a:sym typeface="Wingdings" pitchFamily="2" charset="2"/>
+            </a:endParaRPr>
+          </a:p>
+          <a:p>
+            <a:r>
+              <a:rPr lang="fr-CH" sz="2400" dirty="0" smtClean="0">
+                <a:latin typeface="Arial" pitchFamily="34" charset="0"/>
+                <a:cs typeface="Arial" pitchFamily="34" charset="0"/>
+                <a:sym typeface="Wingdings" pitchFamily="2" charset="2"/>
+              </a:rPr>
+              <a:t> </a:t>
+            </a:r>
+            <a:r>
+              <a:rPr lang="fr-CH" sz="2400" dirty="0" err="1" smtClean="0">
+                <a:latin typeface="Arial" pitchFamily="34" charset="0"/>
+                <a:cs typeface="Arial" pitchFamily="34" charset="0"/>
+                <a:sym typeface="Wingdings" pitchFamily="2" charset="2"/>
+              </a:rPr>
+              <a:t>Research</a:t>
+            </a:r>
+            <a:r>
+              <a:rPr lang="fr-CH" sz="2400" dirty="0" smtClean="0">
+                <a:latin typeface="Arial" pitchFamily="34" charset="0"/>
+                <a:cs typeface="Arial" pitchFamily="34" charset="0"/>
+                <a:sym typeface="Wingdings" pitchFamily="2" charset="2"/>
+              </a:rPr>
+              <a:t> </a:t>
+            </a:r>
+            <a:r>
+              <a:rPr lang="fr-CH" sz="2400" dirty="0" err="1" smtClean="0">
+                <a:latin typeface="Arial" pitchFamily="34" charset="0"/>
+                <a:cs typeface="Arial" pitchFamily="34" charset="0"/>
+                <a:sym typeface="Wingdings" pitchFamily="2" charset="2"/>
+              </a:rPr>
+              <a:t>process</a:t>
+            </a:r>
+            <a:r>
+              <a:rPr lang="fr-CH" sz="2400" dirty="0" smtClean="0">
+                <a:latin typeface="Arial" pitchFamily="34" charset="0"/>
+                <a:cs typeface="Arial" pitchFamily="34" charset="0"/>
+                <a:sym typeface="Wingdings" pitchFamily="2" charset="2"/>
+              </a:rPr>
+              <a:t>: </a:t>
+            </a:r>
+            <a:r>
+              <a:rPr lang="fr-CH" sz="2400" dirty="0" err="1" smtClean="0">
+                <a:latin typeface="Arial" pitchFamily="34" charset="0"/>
+                <a:cs typeface="Arial" pitchFamily="34" charset="0"/>
+                <a:sym typeface="Wingdings" pitchFamily="2" charset="2"/>
+              </a:rPr>
+              <a:t>different</a:t>
+            </a:r>
+            <a:r>
+              <a:rPr lang="fr-CH" sz="2400" dirty="0" smtClean="0">
+                <a:latin typeface="Arial" pitchFamily="34" charset="0"/>
+                <a:cs typeface="Arial" pitchFamily="34" charset="0"/>
+                <a:sym typeface="Wingdings" pitchFamily="2" charset="2"/>
+              </a:rPr>
+              <a:t> Versions</a:t>
             </a:r>
             <a:endParaRPr lang="de-CH" sz="2400" dirty="0">
               <a:latin typeface="Arial" pitchFamily="34" charset="0"/>
@@ -13821,7 +14173,7 @@
   <p:timing>
     <p:tnLst>
       <p:par>
-        <p:cTn xmlns:p14="http://schemas.microsoft.com/office/powerpoint/2010/main" id="1" dur="indefinite" restart="never" nodeType="tmRoot"/>
+        <p:cTn id="1" dur="indefinite" restart="never" nodeType="tmRoot"/>
       </p:par>
     </p:tnLst>
   </p:timing>
@@ -14175,7 +14527,7 @@
           <a:blip r:embed="rId4">
             <a:extLst>
               <a:ext uri="{28A0092B-C50C-407E-A947-70E740481C1C}">
-                <a14:useLocalDpi xmlns:a14="http://schemas.microsoft.com/office/drawing/2010/main" val="0"/>
+                <a14:useLocalDpi xmlns:a14="http://schemas.microsoft.com/office/drawing/2010/main" xmlns="" val="0"/>
               </a:ext>
             </a:extLst>
           </a:blip>
@@ -14263,7 +14615,7 @@
   <p:timing>
     <p:tnLst>
       <p:par>
-        <p:cTn xmlns:p14="http://schemas.microsoft.com/office/powerpoint/2010/main" id="1" dur="indefinite" restart="never" nodeType="tmRoot"/>
+        <p:cTn id="1" dur="indefinite" restart="never" nodeType="tmRoot"/>
       </p:par>
     </p:tnLst>
   </p:timing>
@@ -14829,7 +15181,7 @@
   <p:timing>
     <p:tnLst>
       <p:par>
-        <p:cTn xmlns:p14="http://schemas.microsoft.com/office/powerpoint/2010/main" id="1" dur="indefinite" restart="never" nodeType="tmRoot"/>
+        <p:cTn id="1" dur="indefinite" restart="never" nodeType="tmRoot"/>
       </p:par>
     </p:tnLst>
   </p:timing>
